--- a/Standard PHP Library.pptx
+++ b/Standard PHP Library.pptx
@@ -11,6 +11,8 @@
     <p:sldId id="258" r:id="rId5"/>
     <p:sldId id="259" r:id="rId6"/>
     <p:sldId id="260" r:id="rId7"/>
+    <p:sldId id="263" r:id="rId8"/>
+    <p:sldId id="262" r:id="rId9"/>
   </p:sldIdLst>
   <p:sldSz cx="9144000" cy="6858000" type="screen4x3"/>
   <p:notesSz cx="6858000" cy="9144000"/>
@@ -293,7 +295,8 @@
           <a:p>
             <a:fld id="{1C91BE01-27DC-40F8-8F1C-37BD63528F2B}" type="datetimeFigureOut">
               <a:rPr lang="uk-UA" smtClean="0"/>
-              <a:t>22.10.2013</a:t>
+              <a:pPr/>
+              <a:t>23.10.2013</a:t>
             </a:fld>
             <a:endParaRPr lang="uk-UA"/>
           </a:p>
@@ -335,6 +338,7 @@
           <a:p>
             <a:fld id="{BF2D4A0B-9969-4E01-967C-3A3481C7A3E1}" type="slidenum">
               <a:rPr lang="uk-UA" smtClean="0"/>
+              <a:pPr/>
               <a:t>‹#›</a:t>
             </a:fld>
             <a:endParaRPr lang="uk-UA"/>
@@ -458,7 +462,8 @@
           <a:p>
             <a:fld id="{1C91BE01-27DC-40F8-8F1C-37BD63528F2B}" type="datetimeFigureOut">
               <a:rPr lang="uk-UA" smtClean="0"/>
-              <a:t>22.10.2013</a:t>
+              <a:pPr/>
+              <a:t>23.10.2013</a:t>
             </a:fld>
             <a:endParaRPr lang="uk-UA"/>
           </a:p>
@@ -500,6 +505,7 @@
           <a:p>
             <a:fld id="{BF2D4A0B-9969-4E01-967C-3A3481C7A3E1}" type="slidenum">
               <a:rPr lang="uk-UA" smtClean="0"/>
+              <a:pPr/>
               <a:t>‹#›</a:t>
             </a:fld>
             <a:endParaRPr lang="uk-UA"/>
@@ -633,7 +639,8 @@
           <a:p>
             <a:fld id="{1C91BE01-27DC-40F8-8F1C-37BD63528F2B}" type="datetimeFigureOut">
               <a:rPr lang="uk-UA" smtClean="0"/>
-              <a:t>22.10.2013</a:t>
+              <a:pPr/>
+              <a:t>23.10.2013</a:t>
             </a:fld>
             <a:endParaRPr lang="uk-UA"/>
           </a:p>
@@ -675,6 +682,7 @@
           <a:p>
             <a:fld id="{BF2D4A0B-9969-4E01-967C-3A3481C7A3E1}" type="slidenum">
               <a:rPr lang="uk-UA" smtClean="0"/>
+              <a:pPr/>
               <a:t>‹#›</a:t>
             </a:fld>
             <a:endParaRPr lang="uk-UA"/>
@@ -798,7 +806,8 @@
           <a:p>
             <a:fld id="{1C91BE01-27DC-40F8-8F1C-37BD63528F2B}" type="datetimeFigureOut">
               <a:rPr lang="uk-UA" smtClean="0"/>
-              <a:t>22.10.2013</a:t>
+              <a:pPr/>
+              <a:t>23.10.2013</a:t>
             </a:fld>
             <a:endParaRPr lang="uk-UA"/>
           </a:p>
@@ -840,6 +849,7 @@
           <a:p>
             <a:fld id="{BF2D4A0B-9969-4E01-967C-3A3481C7A3E1}" type="slidenum">
               <a:rPr lang="uk-UA" smtClean="0"/>
+              <a:pPr/>
               <a:t>‹#›</a:t>
             </a:fld>
             <a:endParaRPr lang="uk-UA"/>
@@ -1039,7 +1049,8 @@
           <a:p>
             <a:fld id="{1C91BE01-27DC-40F8-8F1C-37BD63528F2B}" type="datetimeFigureOut">
               <a:rPr lang="uk-UA" smtClean="0"/>
-              <a:t>22.10.2013</a:t>
+              <a:pPr/>
+              <a:t>23.10.2013</a:t>
             </a:fld>
             <a:endParaRPr lang="uk-UA"/>
           </a:p>
@@ -1081,6 +1092,7 @@
           <a:p>
             <a:fld id="{BF2D4A0B-9969-4E01-967C-3A3481C7A3E1}" type="slidenum">
               <a:rPr lang="uk-UA" smtClean="0"/>
+              <a:pPr/>
               <a:t>‹#›</a:t>
             </a:fld>
             <a:endParaRPr lang="uk-UA"/>
@@ -1322,7 +1334,8 @@
           <a:p>
             <a:fld id="{1C91BE01-27DC-40F8-8F1C-37BD63528F2B}" type="datetimeFigureOut">
               <a:rPr lang="uk-UA" smtClean="0"/>
-              <a:t>22.10.2013</a:t>
+              <a:pPr/>
+              <a:t>23.10.2013</a:t>
             </a:fld>
             <a:endParaRPr lang="uk-UA"/>
           </a:p>
@@ -1364,6 +1377,7 @@
           <a:p>
             <a:fld id="{BF2D4A0B-9969-4E01-967C-3A3481C7A3E1}" type="slidenum">
               <a:rPr lang="uk-UA" smtClean="0"/>
+              <a:pPr/>
               <a:t>‹#›</a:t>
             </a:fld>
             <a:endParaRPr lang="uk-UA"/>
@@ -1739,7 +1753,8 @@
           <a:p>
             <a:fld id="{1C91BE01-27DC-40F8-8F1C-37BD63528F2B}" type="datetimeFigureOut">
               <a:rPr lang="uk-UA" smtClean="0"/>
-              <a:t>22.10.2013</a:t>
+              <a:pPr/>
+              <a:t>23.10.2013</a:t>
             </a:fld>
             <a:endParaRPr lang="uk-UA"/>
           </a:p>
@@ -1781,6 +1796,7 @@
           <a:p>
             <a:fld id="{BF2D4A0B-9969-4E01-967C-3A3481C7A3E1}" type="slidenum">
               <a:rPr lang="uk-UA" smtClean="0"/>
+              <a:pPr/>
               <a:t>‹#›</a:t>
             </a:fld>
             <a:endParaRPr lang="uk-UA"/>
@@ -1852,7 +1868,8 @@
           <a:p>
             <a:fld id="{1C91BE01-27DC-40F8-8F1C-37BD63528F2B}" type="datetimeFigureOut">
               <a:rPr lang="uk-UA" smtClean="0"/>
-              <a:t>22.10.2013</a:t>
+              <a:pPr/>
+              <a:t>23.10.2013</a:t>
             </a:fld>
             <a:endParaRPr lang="uk-UA"/>
           </a:p>
@@ -1894,6 +1911,7 @@
           <a:p>
             <a:fld id="{BF2D4A0B-9969-4E01-967C-3A3481C7A3E1}" type="slidenum">
               <a:rPr lang="uk-UA" smtClean="0"/>
+              <a:pPr/>
               <a:t>‹#›</a:t>
             </a:fld>
             <a:endParaRPr lang="uk-UA"/>
@@ -1942,7 +1960,8 @@
           <a:p>
             <a:fld id="{1C91BE01-27DC-40F8-8F1C-37BD63528F2B}" type="datetimeFigureOut">
               <a:rPr lang="uk-UA" smtClean="0"/>
-              <a:t>22.10.2013</a:t>
+              <a:pPr/>
+              <a:t>23.10.2013</a:t>
             </a:fld>
             <a:endParaRPr lang="uk-UA"/>
           </a:p>
@@ -1984,6 +2003,7 @@
           <a:p>
             <a:fld id="{BF2D4A0B-9969-4E01-967C-3A3481C7A3E1}" type="slidenum">
               <a:rPr lang="uk-UA" smtClean="0"/>
+              <a:pPr/>
               <a:t>‹#›</a:t>
             </a:fld>
             <a:endParaRPr lang="uk-UA"/>
@@ -2214,7 +2234,8 @@
           <a:p>
             <a:fld id="{1C91BE01-27DC-40F8-8F1C-37BD63528F2B}" type="datetimeFigureOut">
               <a:rPr lang="uk-UA" smtClean="0"/>
-              <a:t>22.10.2013</a:t>
+              <a:pPr/>
+              <a:t>23.10.2013</a:t>
             </a:fld>
             <a:endParaRPr lang="uk-UA"/>
           </a:p>
@@ -2256,6 +2277,7 @@
           <a:p>
             <a:fld id="{BF2D4A0B-9969-4E01-967C-3A3481C7A3E1}" type="slidenum">
               <a:rPr lang="uk-UA" smtClean="0"/>
+              <a:pPr/>
               <a:t>‹#›</a:t>
             </a:fld>
             <a:endParaRPr lang="uk-UA"/>
@@ -2462,7 +2484,8 @@
           <a:p>
             <a:fld id="{1C91BE01-27DC-40F8-8F1C-37BD63528F2B}" type="datetimeFigureOut">
               <a:rPr lang="uk-UA" smtClean="0"/>
-              <a:t>22.10.2013</a:t>
+              <a:pPr/>
+              <a:t>23.10.2013</a:t>
             </a:fld>
             <a:endParaRPr lang="uk-UA"/>
           </a:p>
@@ -2504,6 +2527,7 @@
           <a:p>
             <a:fld id="{BF2D4A0B-9969-4E01-967C-3A3481C7A3E1}" type="slidenum">
               <a:rPr lang="uk-UA" smtClean="0"/>
+              <a:pPr/>
               <a:t>‹#›</a:t>
             </a:fld>
             <a:endParaRPr lang="uk-UA"/>
@@ -2670,7 +2694,8 @@
           <a:p>
             <a:fld id="{1C91BE01-27DC-40F8-8F1C-37BD63528F2B}" type="datetimeFigureOut">
               <a:rPr lang="uk-UA" smtClean="0"/>
-              <a:t>22.10.2013</a:t>
+              <a:pPr/>
+              <a:t>23.10.2013</a:t>
             </a:fld>
             <a:endParaRPr lang="uk-UA"/>
           </a:p>
@@ -2748,6 +2773,7 @@
           <a:p>
             <a:fld id="{BF2D4A0B-9969-4E01-967C-3A3481C7A3E1}" type="slidenum">
               <a:rPr lang="uk-UA" smtClean="0"/>
+              <a:pPr/>
               <a:t>‹#›</a:t>
             </a:fld>
             <a:endParaRPr lang="uk-UA"/>
@@ -3819,11 +3845,223 @@
             </a:r>
             <a:r>
               <a:rPr lang="en-US" dirty="0" smtClean="0"/>
-              <a:t> for dealing with different types </a:t>
-            </a:r>
-            <a:r>
-              <a:rPr lang="en-US" smtClean="0"/>
-              <a:t>of data.</a:t>
+              <a:t> for dealing with different types of data.</a:t>
+            </a:r>
+            <a:endParaRPr lang="uk-UA" dirty="0"/>
+          </a:p>
+        </p:txBody>
+      </p:sp>
+    </p:spTree>
+  </p:cSld>
+  <p:clrMapOvr>
+    <a:masterClrMapping/>
+  </p:clrMapOvr>
+</p:sld>
+</file>
+
+<file path=ppt/slides/slide7.xml><?xml version="1.0" encoding="utf-8"?>
+<p:sld xmlns:a="http://schemas.openxmlformats.org/drawingml/2006/main" xmlns:r="http://schemas.openxmlformats.org/officeDocument/2006/relationships" xmlns:p="http://schemas.openxmlformats.org/presentationml/2006/main">
+  <p:cSld>
+    <p:spTree>
+      <p:nvGrpSpPr>
+        <p:cNvPr id="1" name=""/>
+        <p:cNvGrpSpPr/>
+        <p:nvPr/>
+      </p:nvGrpSpPr>
+      <p:grpSpPr>
+        <a:xfrm>
+          <a:off x="0" y="0"/>
+          <a:ext cx="0" cy="0"/>
+          <a:chOff x="0" y="0"/>
+          <a:chExt cx="0" cy="0"/>
+        </a:xfrm>
+      </p:grpSpPr>
+      <p:sp>
+        <p:nvSpPr>
+          <p:cNvPr id="2" name="Title 1"/>
+          <p:cNvSpPr>
+            <a:spLocks noGrp="1"/>
+          </p:cNvSpPr>
+          <p:nvPr>
+            <p:ph type="title"/>
+          </p:nvPr>
+        </p:nvSpPr>
+        <p:spPr/>
+        <p:txBody>
+          <a:bodyPr/>
+          <a:lstStyle/>
+          <a:p>
+            <a:r>
+              <a:rPr lang="en-US" dirty="0" err="1" smtClean="0"/>
+              <a:t>Iterator</a:t>
+            </a:r>
+            <a:r>
+              <a:rPr lang="en-US" dirty="0" smtClean="0"/>
+              <a:t> OR for ?</a:t>
+            </a:r>
+            <a:endParaRPr lang="uk-UA" dirty="0"/>
+          </a:p>
+        </p:txBody>
+      </p:sp>
+      <p:sp>
+        <p:nvSpPr>
+          <p:cNvPr id="3" name="Content Placeholder 2"/>
+          <p:cNvSpPr>
+            <a:spLocks noGrp="1"/>
+          </p:cNvSpPr>
+          <p:nvPr>
+            <p:ph idx="1"/>
+          </p:nvPr>
+        </p:nvSpPr>
+        <p:spPr/>
+        <p:txBody>
+          <a:bodyPr>
+            <a:normAutofit lnSpcReduction="10000"/>
+          </a:bodyPr>
+          <a:lstStyle/>
+          <a:p>
+            <a:pPr>
+              <a:buNone/>
+            </a:pPr>
+            <a:r>
+              <a:rPr lang="en-US" dirty="0" smtClean="0"/>
+              <a:t>The advantages of the </a:t>
+            </a:r>
+            <a:r>
+              <a:rPr lang="en-US" dirty="0" err="1" smtClean="0"/>
+              <a:t>iterator</a:t>
+            </a:r>
+            <a:r>
+              <a:rPr lang="en-US" dirty="0" smtClean="0"/>
+              <a:t> are</a:t>
+            </a:r>
+          </a:p>
+          <a:p>
+            <a:r>
+              <a:rPr lang="en-US" dirty="0" smtClean="0"/>
+              <a:t>You don't have to know the size of the collection, which in some cases can require N steps to determine, increasing execution time (though it remains technically linear). Instead, you just keep moving to the next element until there </a:t>
+            </a:r>
+            <a:r>
+              <a:rPr lang="en-US" smtClean="0"/>
+              <a:t>aren't </a:t>
+            </a:r>
+            <a:r>
+              <a:rPr lang="en-US" smtClean="0"/>
+              <a:t>any</a:t>
+            </a:r>
+            <a:endParaRPr lang="en-US" dirty="0" smtClean="0"/>
+          </a:p>
+          <a:p>
+            <a:r>
+              <a:rPr lang="en-US" dirty="0" err="1" smtClean="0"/>
+              <a:t>Iterators</a:t>
+            </a:r>
+            <a:r>
+              <a:rPr lang="en-US" dirty="0" smtClean="0"/>
+              <a:t> are just generally safer I would say, no risk of accessing an index that isn't there</a:t>
+            </a:r>
+            <a:endParaRPr lang="uk-UA" dirty="0"/>
+          </a:p>
+        </p:txBody>
+      </p:sp>
+    </p:spTree>
+  </p:cSld>
+  <p:clrMapOvr>
+    <a:masterClrMapping/>
+  </p:clrMapOvr>
+</p:sld>
+</file>
+
+<file path=ppt/slides/slide8.xml><?xml version="1.0" encoding="utf-8"?>
+<p:sld xmlns:a="http://schemas.openxmlformats.org/drawingml/2006/main" xmlns:r="http://schemas.openxmlformats.org/officeDocument/2006/relationships" xmlns:p="http://schemas.openxmlformats.org/presentationml/2006/main">
+  <p:cSld>
+    <p:spTree>
+      <p:nvGrpSpPr>
+        <p:cNvPr id="1" name=""/>
+        <p:cNvGrpSpPr/>
+        <p:nvPr/>
+      </p:nvGrpSpPr>
+      <p:grpSpPr>
+        <a:xfrm>
+          <a:off x="0" y="0"/>
+          <a:ext cx="0" cy="0"/>
+          <a:chOff x="0" y="0"/>
+          <a:chExt cx="0" cy="0"/>
+        </a:xfrm>
+      </p:grpSpPr>
+      <p:sp>
+        <p:nvSpPr>
+          <p:cNvPr id="2" name="Title 1"/>
+          <p:cNvSpPr>
+            <a:spLocks noGrp="1"/>
+          </p:cNvSpPr>
+          <p:nvPr>
+            <p:ph type="title"/>
+          </p:nvPr>
+        </p:nvSpPr>
+        <p:spPr/>
+        <p:txBody>
+          <a:bodyPr/>
+          <a:lstStyle/>
+          <a:p>
+            <a:r>
+              <a:rPr lang="en-US" dirty="0" smtClean="0"/>
+              <a:t>Sources</a:t>
+            </a:r>
+            <a:endParaRPr lang="uk-UA" dirty="0"/>
+          </a:p>
+        </p:txBody>
+      </p:sp>
+      <p:sp>
+        <p:nvSpPr>
+          <p:cNvPr id="3" name="Content Placeholder 2"/>
+          <p:cNvSpPr>
+            <a:spLocks noGrp="1"/>
+          </p:cNvSpPr>
+          <p:nvPr>
+            <p:ph idx="1"/>
+          </p:nvPr>
+        </p:nvSpPr>
+        <p:spPr/>
+        <p:txBody>
+          <a:bodyPr/>
+          <a:lstStyle/>
+          <a:p>
+            <a:r>
+              <a:rPr lang="en-US" dirty="0" smtClean="0">
+                <a:hlinkClick r:id="rId2"/>
+              </a:rPr>
+              <a:t>http://</a:t>
+            </a:r>
+            <a:r>
+              <a:rPr lang="en-US" dirty="0" smtClean="0">
+                <a:hlinkClick r:id="rId2"/>
+              </a:rPr>
+              <a:t>php.net/manual/en/book.spl.php</a:t>
+            </a:r>
+            <a:endParaRPr lang="en-US" dirty="0" smtClean="0"/>
+          </a:p>
+          <a:p>
+            <a:r>
+              <a:rPr lang="en-US" dirty="0" smtClean="0">
+                <a:hlinkClick r:id="rId3"/>
+              </a:rPr>
+              <a:t>http://</a:t>
+            </a:r>
+            <a:r>
+              <a:rPr lang="en-US" dirty="0" smtClean="0">
+                <a:hlinkClick r:id="rId3"/>
+              </a:rPr>
+              <a:t>www.phpro.org/tutorials/Introduction-to-SPL.html</a:t>
+            </a:r>
+            <a:endParaRPr lang="en-US" dirty="0" smtClean="0"/>
+          </a:p>
+          <a:p>
+            <a:r>
+              <a:rPr lang="en-US" dirty="0" smtClean="0">
+                <a:hlinkClick r:id="rId4"/>
+              </a:rPr>
+              <a:t>http://habrahabr.ru/post/161987/</a:t>
             </a:r>
             <a:endParaRPr lang="uk-UA" dirty="0"/>
           </a:p>
